--- a/Templates/Template-1.pptx
+++ b/Templates/Template-1.pptx
@@ -112,6 +112,22 @@
 <file path=ppt/slideLayouts/slideLayout1.xml><?xml version="1.0" encoding="utf-8"?>
 <p:sldLayout xmlns:a="http://schemas.openxmlformats.org/drawingml/2006/main" xmlns:r="http://schemas.openxmlformats.org/officeDocument/2006/relationships" xmlns:p="http://schemas.openxmlformats.org/presentationml/2006/main" preserve="1" userDrawn="1">
   <p:cSld name="SOV">
+    <p:bg>
+      <p:bgPr>
+        <a:gradFill>
+          <a:gsLst>
+            <a:gs pos="38000">
+              <a:srgbClr val="FF0000"/>
+            </a:gs>
+            <a:gs pos="100000">
+              <a:schemeClr val="tx1"/>
+            </a:gs>
+          </a:gsLst>
+          <a:lin ang="5400000" scaled="1"/>
+        </a:gradFill>
+        <a:effectLst/>
+      </p:bgPr>
+    </p:bg>
     <p:spTree>
       <p:nvGrpSpPr>
         <p:cNvPr id="1" name=""/>
@@ -126,39 +142,6 @@
           <a:chExt cx="0" cy="0"/>
         </a:xfrm>
       </p:grpSpPr>
-      <p:sp>
-        <p:nvSpPr>
-          <p:cNvPr id="2" name="Title 1">
-            <a:extLst>
-              <a:ext uri="{FF2B5EF4-FFF2-40B4-BE49-F238E27FC236}">
-                <a16:creationId xmlns:a16="http://schemas.microsoft.com/office/drawing/2014/main" id="{5A096443-ACB9-3586-9273-1E30DE2F0309}"/>
-              </a:ext>
-            </a:extLst>
-          </p:cNvPr>
-          <p:cNvSpPr>
-            <a:spLocks noGrp="1"/>
-          </p:cNvSpPr>
-          <p:nvPr>
-            <p:ph type="title"/>
-          </p:nvPr>
-        </p:nvSpPr>
-        <p:spPr/>
-        <p:txBody>
-          <a:bodyPr/>
-          <a:lstStyle>
-            <a:lvl1pPr algn="ctr">
-              <a:defRPr/>
-            </a:lvl1pPr>
-          </a:lstStyle>
-          <a:p>
-            <a:r>
-              <a:rPr lang="en-US" dirty="0"/>
-              <a:t>Click to edit Master title style</a:t>
-            </a:r>
-            <a:endParaRPr lang="en-PH" dirty="0"/>
-          </a:p>
-        </p:txBody>
-      </p:sp>
       <p:sp>
         <p:nvSpPr>
           <p:cNvPr id="5" name="Date Placeholder 4">
@@ -182,7 +165,7 @@
           <a:p>
             <a:fld id="{D1CC32D1-298F-460F-B7DD-1E078394D21F}" type="datetimeFigureOut">
               <a:rPr lang="en-PH" smtClean="0"/>
-              <a:t>3/3/2025</a:t>
+              <a:t>3/5/2025</a:t>
             </a:fld>
             <a:endParaRPr lang="en-PH"/>
           </a:p>
@@ -270,38 +253,38 @@
           <a:p>
             <a:pPr lvl="0"/>
             <a:r>
-              <a:rPr lang="en-US"/>
+              <a:rPr lang="en-US" dirty="0"/>
               <a:t>Click to edit Master text styles</a:t>
             </a:r>
           </a:p>
           <a:p>
             <a:pPr lvl="1"/>
             <a:r>
-              <a:rPr lang="en-US"/>
+              <a:rPr lang="en-US" dirty="0"/>
               <a:t>Second level</a:t>
             </a:r>
           </a:p>
           <a:p>
             <a:pPr lvl="2"/>
             <a:r>
-              <a:rPr lang="en-US"/>
+              <a:rPr lang="en-US" dirty="0"/>
               <a:t>Third level</a:t>
             </a:r>
           </a:p>
           <a:p>
             <a:pPr lvl="3"/>
             <a:r>
-              <a:rPr lang="en-US"/>
+              <a:rPr lang="en-US" dirty="0"/>
               <a:t>Fourth level</a:t>
             </a:r>
           </a:p>
           <a:p>
             <a:pPr lvl="4"/>
             <a:r>
-              <a:rPr lang="en-US"/>
+              <a:rPr lang="en-US" dirty="0"/>
               <a:t>Fifth level</a:t>
             </a:r>
-            <a:endParaRPr lang="en-PH"/>
+            <a:endParaRPr lang="en-PH" dirty="0"/>
           </a:p>
         </p:txBody>
       </p:sp>
@@ -323,8 +306,8 @@
         </p:nvSpPr>
         <p:spPr>
           <a:xfrm>
-            <a:off x="838200" y="1931988"/>
-            <a:ext cx="6105525" cy="4217987"/>
+            <a:off x="838200" y="1059855"/>
+            <a:ext cx="6105525" cy="5090121"/>
           </a:xfrm>
           <a:solidFill>
             <a:schemeClr val="bg1"/>
@@ -335,6 +318,54 @@
           <a:lstStyle/>
           <a:p>
             <a:endParaRPr lang="en-PH"/>
+          </a:p>
+        </p:txBody>
+      </p:sp>
+      <p:sp>
+        <p:nvSpPr>
+          <p:cNvPr id="3" name="Rectangle 2">
+            <a:extLst>
+              <a:ext uri="{FF2B5EF4-FFF2-40B4-BE49-F238E27FC236}">
+                <a16:creationId xmlns:a16="http://schemas.microsoft.com/office/drawing/2014/main" id="{FDC589DB-7ADB-779D-E577-8F63EC40BCC8}"/>
+              </a:ext>
+            </a:extLst>
+          </p:cNvPr>
+          <p:cNvSpPr/>
+          <p:nvPr userDrawn="1"/>
+        </p:nvSpPr>
+        <p:spPr>
+          <a:xfrm>
+            <a:off x="838200" y="136525"/>
+            <a:ext cx="4436984" cy="923330"/>
+          </a:xfrm>
+          <a:prstGeom prst="rect">
+            <a:avLst/>
+          </a:prstGeom>
+          <a:noFill/>
+        </p:spPr>
+        <p:txBody>
+          <a:bodyPr wrap="none" lIns="91440" tIns="45720" rIns="91440" bIns="45720">
+            <a:spAutoFit/>
+          </a:bodyPr>
+          <a:lstStyle/>
+          <a:p>
+            <a:pPr algn="ctr"/>
+            <a:r>
+              <a:rPr lang="en-US" sz="5400" b="0" cap="none" spc="0" dirty="0">
+                <a:ln w="0"/>
+                <a:solidFill>
+                  <a:schemeClr val="tx1"/>
+                </a:solidFill>
+                <a:effectLst>
+                  <a:outerShdw blurRad="38100" dist="19050" dir="2700000" algn="tl" rotWithShape="0">
+                    <a:schemeClr val="dk1">
+                      <a:alpha val="40000"/>
+                    </a:schemeClr>
+                  </a:outerShdw>
+                </a:effectLst>
+              </a:rPr>
+              <a:t>Share of Voice</a:t>
+            </a:r>
           </a:p>
         </p:txBody>
       </p:sp>
@@ -521,7 +552,7 @@
           <a:p>
             <a:fld id="{D1CC32D1-298F-460F-B7DD-1E078394D21F}" type="datetimeFigureOut">
               <a:rPr lang="en-PH" smtClean="0"/>
-              <a:t>3/3/2025</a:t>
+              <a:t>3/5/2025</a:t>
             </a:fld>
             <a:endParaRPr lang="en-PH"/>
           </a:p>
